--- a/Report/Computer Vision seminar presentation.pptx
+++ b/Report/Computer Vision seminar presentation.pptx
@@ -5,7 +5,7 @@
     <p:sldMasterId id="2147483660" r:id="rId1"/>
   </p:sldMasterIdLst>
   <p:notesMasterIdLst>
-    <p:notesMasterId r:id="rId10"/>
+    <p:notesMasterId r:id="rId11"/>
   </p:notesMasterIdLst>
   <p:sldIdLst>
     <p:sldId id="256" r:id="rId2"/>
@@ -13,33 +13,34 @@
     <p:sldId id="300" r:id="rId4"/>
     <p:sldId id="296" r:id="rId5"/>
     <p:sldId id="290" r:id="rId6"/>
-    <p:sldId id="299" r:id="rId7"/>
-    <p:sldId id="298" r:id="rId8"/>
-    <p:sldId id="301" r:id="rId9"/>
+    <p:sldId id="302" r:id="rId7"/>
+    <p:sldId id="299" r:id="rId8"/>
+    <p:sldId id="298" r:id="rId9"/>
+    <p:sldId id="301" r:id="rId10"/>
   </p:sldIdLst>
   <p:sldSz cx="9144000" cy="5143500" type="screen16x9"/>
   <p:notesSz cx="6858000" cy="9144000"/>
   <p:embeddedFontLst>
     <p:embeddedFont>
-      <p:font typeface="Montserrat" panose="020B0604020202020204" charset="0"/>
-      <p:regular r:id="rId11"/>
-      <p:bold r:id="rId12"/>
-      <p:italic r:id="rId13"/>
-      <p:boldItalic r:id="rId14"/>
+      <p:font typeface="Calibri" panose="020F0502020204030204" pitchFamily="34" charset="0"/>
+      <p:regular r:id="rId12"/>
+      <p:bold r:id="rId13"/>
+      <p:italic r:id="rId14"/>
+      <p:boldItalic r:id="rId15"/>
     </p:embeddedFont>
     <p:embeddedFont>
-      <p:font typeface="Calibri" panose="020F0502020204030204" pitchFamily="34" charset="0"/>
-      <p:regular r:id="rId15"/>
-      <p:bold r:id="rId16"/>
-      <p:italic r:id="rId17"/>
-      <p:boldItalic r:id="rId18"/>
+      <p:font typeface="Montserrat" panose="020B0604020202020204" charset="0"/>
+      <p:regular r:id="rId16"/>
+      <p:bold r:id="rId17"/>
+      <p:italic r:id="rId18"/>
+      <p:boldItalic r:id="rId19"/>
     </p:embeddedFont>
     <p:embeddedFont>
       <p:font typeface="Karla" panose="020B0604020202020204" charset="0"/>
-      <p:regular r:id="rId19"/>
-      <p:bold r:id="rId20"/>
-      <p:italic r:id="rId21"/>
-      <p:boldItalic r:id="rId22"/>
+      <p:regular r:id="rId20"/>
+      <p:bold r:id="rId21"/>
+      <p:italic r:id="rId22"/>
+      <p:boldItalic r:id="rId23"/>
     </p:embeddedFont>
   </p:embeddedFontLst>
   <p:defaultTextStyle>
@@ -883,6 +884,72 @@
     <p:extLst>
       <p:ext uri="{BB962C8B-B14F-4D97-AF65-F5344CB8AC3E}">
         <p14:creationId xmlns:p14="http://schemas.microsoft.com/office/powerpoint/2010/main" val="1091597604"/>
+      </p:ext>
+    </p:extLst>
+  </p:cSld>
+  <p:clrMapOvr>
+    <a:masterClrMapping/>
+  </p:clrMapOvr>
+</p:notes>
+</file>
+
+<file path=ppt/notesSlides/notesSlide5.xml><?xml version="1.0" encoding="utf-8"?>
+<p:notes xmlns:a="http://schemas.openxmlformats.org/drawingml/2006/main" xmlns:r="http://schemas.openxmlformats.org/officeDocument/2006/relationships" xmlns:p="http://schemas.openxmlformats.org/presentationml/2006/main">
+  <p:cSld>
+    <p:spTree>
+      <p:nvGrpSpPr>
+        <p:cNvPr id="1" name=""/>
+        <p:cNvGrpSpPr/>
+        <p:nvPr/>
+      </p:nvGrpSpPr>
+      <p:grpSpPr>
+        <a:xfrm>
+          <a:off x="0" y="0"/>
+          <a:ext cx="0" cy="0"/>
+          <a:chOff x="0" y="0"/>
+          <a:chExt cx="0" cy="0"/>
+        </a:xfrm>
+      </p:grpSpPr>
+      <p:sp>
+        <p:nvSpPr>
+          <p:cNvPr id="2" name="Slide Image Placeholder 1"/>
+          <p:cNvSpPr>
+            <a:spLocks noGrp="1" noRot="1" noChangeAspect="1"/>
+          </p:cNvSpPr>
+          <p:nvPr>
+            <p:ph type="sldImg"/>
+          </p:nvPr>
+        </p:nvSpPr>
+        <p:spPr>
+          <a:xfrm>
+            <a:off x="381000" y="685800"/>
+            <a:ext cx="6096000" cy="3429000"/>
+          </a:xfrm>
+        </p:spPr>
+      </p:sp>
+      <p:sp>
+        <p:nvSpPr>
+          <p:cNvPr id="3" name="Notes Placeholder 2"/>
+          <p:cNvSpPr>
+            <a:spLocks noGrp="1"/>
+          </p:cNvSpPr>
+          <p:nvPr>
+            <p:ph type="body" idx="1"/>
+          </p:nvPr>
+        </p:nvSpPr>
+        <p:spPr/>
+        <p:txBody>
+          <a:bodyPr/>
+          <a:lstStyle/>
+          <a:p>
+            <a:endParaRPr lang="en-DK" dirty="0"/>
+          </a:p>
+        </p:txBody>
+      </p:sp>
+    </p:spTree>
+    <p:extLst>
+      <p:ext uri="{BB962C8B-B14F-4D97-AF65-F5344CB8AC3E}">
+        <p14:creationId xmlns:p14="http://schemas.microsoft.com/office/powerpoint/2010/main" val="1051593291"/>
       </p:ext>
     </p:extLst>
   </p:cSld>
@@ -9164,6 +9231,664 @@
           <a:chExt cx="0" cy="0"/>
         </a:xfrm>
       </p:grpSpPr>
+      <p:sp>
+        <p:nvSpPr>
+          <p:cNvPr id="8" name="Shape 328">
+            <a:extLst>
+              <a:ext uri="{FF2B5EF4-FFF2-40B4-BE49-F238E27FC236}">
+                <a16:creationId xmlns:a16="http://schemas.microsoft.com/office/drawing/2014/main" id="{7F282986-BAAB-4888-A5BD-C82DD07259EC}"/>
+              </a:ext>
+            </a:extLst>
+          </p:cNvPr>
+          <p:cNvSpPr txBox="1">
+            <a:spLocks/>
+          </p:cNvSpPr>
+          <p:nvPr/>
+        </p:nvSpPr>
+        <p:spPr>
+          <a:xfrm>
+            <a:off x="505521" y="438616"/>
+            <a:ext cx="6906323" cy="825190"/>
+          </a:xfrm>
+          <a:prstGeom prst="rect">
+            <a:avLst/>
+          </a:prstGeom>
+          <a:noFill/>
+          <a:ln>
+            <a:noFill/>
+          </a:ln>
+        </p:spPr>
+        <p:txBody>
+          <a:bodyPr wrap="square" lIns="91425" tIns="91425" rIns="91425" bIns="91425" anchor="b" anchorCtr="0">
+            <a:noAutofit/>
+          </a:bodyPr>
+          <a:lstStyle>
+            <a:defPPr marR="0" lvl="0" algn="l" rtl="0">
+              <a:lnSpc>
+                <a:spcPct val="100000"/>
+              </a:lnSpc>
+              <a:spcBef>
+                <a:spcPts val="0"/>
+              </a:spcBef>
+              <a:spcAft>
+                <a:spcPts val="0"/>
+              </a:spcAft>
+            </a:defPPr>
+            <a:lvl1pPr marR="0" lvl="0" algn="l" rtl="0">
+              <a:lnSpc>
+                <a:spcPct val="100000"/>
+              </a:lnSpc>
+              <a:spcBef>
+                <a:spcPts val="0"/>
+              </a:spcBef>
+              <a:spcAft>
+                <a:spcPts val="0"/>
+              </a:spcAft>
+              <a:buClr>
+                <a:srgbClr val="999999"/>
+              </a:buClr>
+              <a:buSzPct val="100000"/>
+              <a:buFont typeface="Montserrat"/>
+              <a:buNone/>
+              <a:defRPr sz="3000" b="1" i="0" u="none" strike="noStrike" cap="none">
+                <a:solidFill>
+                  <a:srgbClr val="999999"/>
+                </a:solidFill>
+                <a:latin typeface="Montserrat"/>
+                <a:ea typeface="Montserrat"/>
+                <a:cs typeface="Montserrat"/>
+                <a:sym typeface="Montserrat"/>
+              </a:defRPr>
+            </a:lvl1pPr>
+            <a:lvl2pPr lvl="1" rtl="0">
+              <a:spcBef>
+                <a:spcPts val="0"/>
+              </a:spcBef>
+              <a:buClr>
+                <a:srgbClr val="999999"/>
+              </a:buClr>
+              <a:buSzPct val="100000"/>
+              <a:buFont typeface="Montserrat"/>
+              <a:buNone/>
+              <a:defRPr sz="3000" b="1">
+                <a:solidFill>
+                  <a:srgbClr val="999999"/>
+                </a:solidFill>
+                <a:latin typeface="Montserrat"/>
+                <a:ea typeface="Montserrat"/>
+                <a:cs typeface="Montserrat"/>
+                <a:sym typeface="Montserrat"/>
+              </a:defRPr>
+            </a:lvl2pPr>
+            <a:lvl3pPr lvl="2" rtl="0">
+              <a:spcBef>
+                <a:spcPts val="0"/>
+              </a:spcBef>
+              <a:buClr>
+                <a:srgbClr val="999999"/>
+              </a:buClr>
+              <a:buSzPct val="100000"/>
+              <a:buFont typeface="Montserrat"/>
+              <a:buNone/>
+              <a:defRPr sz="3000" b="1">
+                <a:solidFill>
+                  <a:srgbClr val="999999"/>
+                </a:solidFill>
+                <a:latin typeface="Montserrat"/>
+                <a:ea typeface="Montserrat"/>
+                <a:cs typeface="Montserrat"/>
+                <a:sym typeface="Montserrat"/>
+              </a:defRPr>
+            </a:lvl3pPr>
+            <a:lvl4pPr lvl="3" rtl="0">
+              <a:spcBef>
+                <a:spcPts val="0"/>
+              </a:spcBef>
+              <a:buClr>
+                <a:srgbClr val="999999"/>
+              </a:buClr>
+              <a:buSzPct val="100000"/>
+              <a:buFont typeface="Montserrat"/>
+              <a:buNone/>
+              <a:defRPr sz="3000" b="1">
+                <a:solidFill>
+                  <a:srgbClr val="999999"/>
+                </a:solidFill>
+                <a:latin typeface="Montserrat"/>
+                <a:ea typeface="Montserrat"/>
+                <a:cs typeface="Montserrat"/>
+                <a:sym typeface="Montserrat"/>
+              </a:defRPr>
+            </a:lvl4pPr>
+            <a:lvl5pPr lvl="4" rtl="0">
+              <a:spcBef>
+                <a:spcPts val="0"/>
+              </a:spcBef>
+              <a:buClr>
+                <a:srgbClr val="999999"/>
+              </a:buClr>
+              <a:buSzPct val="100000"/>
+              <a:buFont typeface="Montserrat"/>
+              <a:buNone/>
+              <a:defRPr sz="3000" b="1">
+                <a:solidFill>
+                  <a:srgbClr val="999999"/>
+                </a:solidFill>
+                <a:latin typeface="Montserrat"/>
+                <a:ea typeface="Montserrat"/>
+                <a:cs typeface="Montserrat"/>
+                <a:sym typeface="Montserrat"/>
+              </a:defRPr>
+            </a:lvl5pPr>
+            <a:lvl6pPr lvl="5" rtl="0">
+              <a:spcBef>
+                <a:spcPts val="0"/>
+              </a:spcBef>
+              <a:buClr>
+                <a:srgbClr val="999999"/>
+              </a:buClr>
+              <a:buSzPct val="100000"/>
+              <a:buFont typeface="Montserrat"/>
+              <a:buNone/>
+              <a:defRPr sz="3000" b="1">
+                <a:solidFill>
+                  <a:srgbClr val="999999"/>
+                </a:solidFill>
+                <a:latin typeface="Montserrat"/>
+                <a:ea typeface="Montserrat"/>
+                <a:cs typeface="Montserrat"/>
+                <a:sym typeface="Montserrat"/>
+              </a:defRPr>
+            </a:lvl6pPr>
+            <a:lvl7pPr lvl="6" rtl="0">
+              <a:spcBef>
+                <a:spcPts val="0"/>
+              </a:spcBef>
+              <a:buClr>
+                <a:srgbClr val="999999"/>
+              </a:buClr>
+              <a:buSzPct val="100000"/>
+              <a:buFont typeface="Montserrat"/>
+              <a:buNone/>
+              <a:defRPr sz="3000" b="1">
+                <a:solidFill>
+                  <a:srgbClr val="999999"/>
+                </a:solidFill>
+                <a:latin typeface="Montserrat"/>
+                <a:ea typeface="Montserrat"/>
+                <a:cs typeface="Montserrat"/>
+                <a:sym typeface="Montserrat"/>
+              </a:defRPr>
+            </a:lvl7pPr>
+            <a:lvl8pPr lvl="7" rtl="0">
+              <a:spcBef>
+                <a:spcPts val="0"/>
+              </a:spcBef>
+              <a:buClr>
+                <a:srgbClr val="999999"/>
+              </a:buClr>
+              <a:buSzPct val="100000"/>
+              <a:buFont typeface="Montserrat"/>
+              <a:buNone/>
+              <a:defRPr sz="3000" b="1">
+                <a:solidFill>
+                  <a:srgbClr val="999999"/>
+                </a:solidFill>
+                <a:latin typeface="Montserrat"/>
+                <a:ea typeface="Montserrat"/>
+                <a:cs typeface="Montserrat"/>
+                <a:sym typeface="Montserrat"/>
+              </a:defRPr>
+            </a:lvl8pPr>
+            <a:lvl9pPr lvl="8" rtl="0">
+              <a:spcBef>
+                <a:spcPts val="0"/>
+              </a:spcBef>
+              <a:buClr>
+                <a:srgbClr val="999999"/>
+              </a:buClr>
+              <a:buSzPct val="100000"/>
+              <a:buFont typeface="Montserrat"/>
+              <a:buNone/>
+              <a:defRPr sz="3000" b="1">
+                <a:solidFill>
+                  <a:srgbClr val="999999"/>
+                </a:solidFill>
+                <a:latin typeface="Montserrat"/>
+                <a:ea typeface="Montserrat"/>
+                <a:cs typeface="Montserrat"/>
+                <a:sym typeface="Montserrat"/>
+              </a:defRPr>
+            </a:lvl9pPr>
+          </a:lstStyle>
+          <a:p>
+            <a:r>
+              <a:rPr lang="en-US" sz="1800" dirty="0">
+                <a:solidFill>
+                  <a:schemeClr val="tx2">
+                    <a:lumMod val="75000"/>
+                  </a:schemeClr>
+                </a:solidFill>
+              </a:rPr>
+              <a:t>A Suspicious Behavior Detection using a Context Space Model for Smart Surveillance Systems</a:t>
+            </a:r>
+          </a:p>
+          <a:p>
+            <a:r>
+              <a:rPr lang="en-US" sz="1000" dirty="0">
+                <a:solidFill>
+                  <a:schemeClr val="tx2">
+                    <a:lumMod val="75000"/>
+                  </a:schemeClr>
+                </a:solidFill>
+                <a:latin typeface="Karla"/>
+                <a:ea typeface="Karla"/>
+                <a:cs typeface="Karla"/>
+                <a:sym typeface="Karla"/>
+              </a:rPr>
+              <a:t>[2012] Arnold </a:t>
+            </a:r>
+            <a:r>
+              <a:rPr lang="en-US" sz="1000" dirty="0" err="1">
+                <a:solidFill>
+                  <a:schemeClr val="tx2">
+                    <a:lumMod val="75000"/>
+                  </a:schemeClr>
+                </a:solidFill>
+                <a:latin typeface="Karla"/>
+                <a:ea typeface="Karla"/>
+                <a:cs typeface="Karla"/>
+                <a:sym typeface="Karla"/>
+              </a:rPr>
+              <a:t>Wiliem</a:t>
+            </a:r>
+            <a:r>
+              <a:rPr lang="en-US" sz="1000" dirty="0">
+                <a:solidFill>
+                  <a:schemeClr val="tx2">
+                    <a:lumMod val="75000"/>
+                  </a:schemeClr>
+                </a:solidFill>
+                <a:latin typeface="Karla"/>
+                <a:ea typeface="Karla"/>
+                <a:cs typeface="Karla"/>
+                <a:sym typeface="Karla"/>
+              </a:rPr>
+              <a:t>, Vamsi </a:t>
+            </a:r>
+            <a:r>
+              <a:rPr lang="en-US" sz="1000" dirty="0" err="1">
+                <a:solidFill>
+                  <a:schemeClr val="tx2">
+                    <a:lumMod val="75000"/>
+                  </a:schemeClr>
+                </a:solidFill>
+                <a:latin typeface="Karla"/>
+                <a:ea typeface="Karla"/>
+                <a:cs typeface="Karla"/>
+                <a:sym typeface="Karla"/>
+              </a:rPr>
+              <a:t>Madasu</a:t>
+            </a:r>
+            <a:r>
+              <a:rPr lang="en-US" sz="1000" dirty="0">
+                <a:solidFill>
+                  <a:schemeClr val="tx2">
+                    <a:lumMod val="75000"/>
+                  </a:schemeClr>
+                </a:solidFill>
+                <a:latin typeface="Karla"/>
+                <a:ea typeface="Karla"/>
+                <a:cs typeface="Karla"/>
+                <a:sym typeface="Karla"/>
+              </a:rPr>
+              <a:t>, </a:t>
+            </a:r>
+            <a:r>
+              <a:rPr lang="en-US" sz="1000" dirty="0" err="1">
+                <a:solidFill>
+                  <a:schemeClr val="tx2">
+                    <a:lumMod val="75000"/>
+                  </a:schemeClr>
+                </a:solidFill>
+                <a:latin typeface="Karla"/>
+                <a:ea typeface="Karla"/>
+                <a:cs typeface="Karla"/>
+                <a:sym typeface="Karla"/>
+              </a:rPr>
+              <a:t>Wageeh</a:t>
+            </a:r>
+            <a:r>
+              <a:rPr lang="en-US" sz="1000" dirty="0">
+                <a:solidFill>
+                  <a:schemeClr val="tx2">
+                    <a:lumMod val="75000"/>
+                  </a:schemeClr>
+                </a:solidFill>
+                <a:latin typeface="Karla"/>
+                <a:ea typeface="Karla"/>
+                <a:cs typeface="Karla"/>
+                <a:sym typeface="Karla"/>
+              </a:rPr>
+              <a:t> Boles, Prasad Yarlagadda</a:t>
+            </a:r>
+          </a:p>
+        </p:txBody>
+      </p:sp>
+      <p:sp>
+        <p:nvSpPr>
+          <p:cNvPr id="9" name="Shape 79">
+            <a:extLst>
+              <a:ext uri="{FF2B5EF4-FFF2-40B4-BE49-F238E27FC236}">
+                <a16:creationId xmlns:a16="http://schemas.microsoft.com/office/drawing/2014/main" id="{4F9ABD01-77E4-48E6-ACBE-F5ED6F289E4A}"/>
+              </a:ext>
+            </a:extLst>
+          </p:cNvPr>
+          <p:cNvSpPr txBox="1"/>
+          <p:nvPr/>
+        </p:nvSpPr>
+        <p:spPr>
+          <a:xfrm>
+            <a:off x="5046565" y="3719124"/>
+            <a:ext cx="3113588" cy="1240126"/>
+          </a:xfrm>
+          <a:prstGeom prst="rect">
+            <a:avLst/>
+          </a:prstGeom>
+          <a:noFill/>
+          <a:ln>
+            <a:noFill/>
+          </a:ln>
+        </p:spPr>
+        <p:txBody>
+          <a:bodyPr wrap="square" lIns="91425" tIns="91425" rIns="91425" bIns="91425" anchor="t" anchorCtr="0">
+            <a:noAutofit/>
+          </a:bodyPr>
+          <a:lstStyle/>
+          <a:p>
+            <a:pPr lvl="0">
+              <a:spcBef>
+                <a:spcPts val="400"/>
+              </a:spcBef>
+            </a:pPr>
+            <a:r>
+              <a:rPr lang="en-US" sz="900" dirty="0">
+                <a:solidFill>
+                  <a:srgbClr val="666666"/>
+                </a:solidFill>
+                <a:latin typeface="Karla"/>
+                <a:ea typeface="Karla"/>
+                <a:cs typeface="Karla"/>
+                <a:sym typeface="Karla"/>
+              </a:rPr>
+              <a:t>The red boxes are the main system components;</a:t>
+            </a:r>
+          </a:p>
+          <a:p>
+            <a:pPr lvl="0">
+              <a:spcBef>
+                <a:spcPts val="400"/>
+              </a:spcBef>
+            </a:pPr>
+            <a:r>
+              <a:rPr lang="en-US" sz="900" dirty="0">
+                <a:solidFill>
+                  <a:srgbClr val="666666"/>
+                </a:solidFill>
+                <a:latin typeface="Karla"/>
+                <a:ea typeface="Karla"/>
+                <a:cs typeface="Karla"/>
+                <a:sym typeface="Karla"/>
+              </a:rPr>
+              <a:t>The clay boxes are sources of information needed </a:t>
+            </a:r>
+          </a:p>
+          <a:p>
+            <a:pPr lvl="0">
+              <a:spcBef>
+                <a:spcPts val="400"/>
+              </a:spcBef>
+            </a:pPr>
+            <a:r>
+              <a:rPr lang="en-US" sz="900" dirty="0">
+                <a:solidFill>
+                  <a:srgbClr val="666666"/>
+                </a:solidFill>
+                <a:latin typeface="Karla"/>
+                <a:ea typeface="Karla"/>
+                <a:cs typeface="Karla"/>
+                <a:sym typeface="Karla"/>
+              </a:rPr>
+              <a:t>by the system;</a:t>
+            </a:r>
+          </a:p>
+          <a:p>
+            <a:pPr lvl="0">
+              <a:spcBef>
+                <a:spcPts val="400"/>
+              </a:spcBef>
+            </a:pPr>
+            <a:r>
+              <a:rPr lang="en-US" sz="900" dirty="0">
+                <a:solidFill>
+                  <a:srgbClr val="666666"/>
+                </a:solidFill>
+                <a:latin typeface="Karla"/>
+                <a:ea typeface="Karla"/>
+                <a:cs typeface="Karla"/>
+                <a:sym typeface="Karla"/>
+              </a:rPr>
+              <a:t>The grey boxes are the source of information extracted by the system;</a:t>
+            </a:r>
+          </a:p>
+          <a:p>
+            <a:pPr lvl="0">
+              <a:spcBef>
+                <a:spcPts val="400"/>
+              </a:spcBef>
+            </a:pPr>
+            <a:r>
+              <a:rPr lang="en-US" sz="900" dirty="0">
+                <a:solidFill>
+                  <a:srgbClr val="666666"/>
+                </a:solidFill>
+                <a:latin typeface="Karla"/>
+                <a:ea typeface="Karla"/>
+                <a:cs typeface="Karla"/>
+                <a:sym typeface="Karla"/>
+              </a:rPr>
+              <a:t>The blue boxes are the system feature extraction components ;</a:t>
+            </a:r>
+          </a:p>
+        </p:txBody>
+      </p:sp>
+      <p:sp>
+        <p:nvSpPr>
+          <p:cNvPr id="10" name="Shape 79">
+            <a:extLst>
+              <a:ext uri="{FF2B5EF4-FFF2-40B4-BE49-F238E27FC236}">
+                <a16:creationId xmlns:a16="http://schemas.microsoft.com/office/drawing/2014/main" id="{91C6D67B-978C-4638-BC75-C5BF95214D95}"/>
+              </a:ext>
+            </a:extLst>
+          </p:cNvPr>
+          <p:cNvSpPr txBox="1"/>
+          <p:nvPr/>
+        </p:nvSpPr>
+        <p:spPr>
+          <a:xfrm>
+            <a:off x="572428" y="1263806"/>
+            <a:ext cx="6906323" cy="1513133"/>
+          </a:xfrm>
+          <a:prstGeom prst="rect">
+            <a:avLst/>
+          </a:prstGeom>
+          <a:noFill/>
+          <a:ln>
+            <a:noFill/>
+          </a:ln>
+        </p:spPr>
+        <p:txBody>
+          <a:bodyPr wrap="square" lIns="91425" tIns="91425" rIns="91425" bIns="91425" anchor="t" anchorCtr="0">
+            <a:noAutofit/>
+          </a:bodyPr>
+          <a:lstStyle/>
+          <a:p>
+            <a:pPr marL="171450" lvl="0" indent="-171450">
+              <a:buFont typeface="Arial" panose="020B0604020202020204" pitchFamily="34" charset="0"/>
+              <a:buChar char="•"/>
+            </a:pPr>
+            <a:r>
+              <a:rPr lang="en-US" sz="1600" dirty="0">
+                <a:solidFill>
+                  <a:srgbClr val="666666"/>
+                </a:solidFill>
+                <a:latin typeface="Karla"/>
+                <a:ea typeface="Karla"/>
+                <a:cs typeface="Karla"/>
+                <a:sym typeface="Karla"/>
+              </a:rPr>
+              <a:t>Suspicious behavior is different from abnormal behavior</a:t>
+            </a:r>
+          </a:p>
+          <a:p>
+            <a:pPr marL="171450" lvl="0" indent="-171450">
+              <a:buFont typeface="Arial" panose="020B0604020202020204" pitchFamily="34" charset="0"/>
+              <a:buChar char="•"/>
+            </a:pPr>
+            <a:r>
+              <a:rPr lang="en-US" sz="1600" dirty="0">
+                <a:solidFill>
+                  <a:srgbClr val="666666"/>
+                </a:solidFill>
+                <a:latin typeface="Karla"/>
+                <a:ea typeface="Karla"/>
+                <a:cs typeface="Karla"/>
+                <a:sym typeface="Karla"/>
+              </a:rPr>
+              <a:t>Involves subjective human interpretation</a:t>
+            </a:r>
+          </a:p>
+          <a:p>
+            <a:pPr marL="171450" lvl="0" indent="-171450">
+              <a:buFont typeface="Arial" panose="020B0604020202020204" pitchFamily="34" charset="0"/>
+              <a:buChar char="•"/>
+            </a:pPr>
+            <a:r>
+              <a:rPr lang="en-US" sz="1600" dirty="0">
+                <a:solidFill>
+                  <a:srgbClr val="666666"/>
+                </a:solidFill>
+                <a:latin typeface="Karla"/>
+                <a:ea typeface="Karla"/>
+                <a:cs typeface="Karla"/>
+                <a:sym typeface="Karla"/>
+              </a:rPr>
+              <a:t>Requires general knowledge of human behavior</a:t>
+            </a:r>
+          </a:p>
+          <a:p>
+            <a:pPr marL="171450" lvl="0" indent="-171450">
+              <a:buFont typeface="Arial" panose="020B0604020202020204" pitchFamily="34" charset="0"/>
+              <a:buChar char="•"/>
+            </a:pPr>
+            <a:r>
+              <a:rPr lang="en-US" sz="1600" dirty="0">
+                <a:solidFill>
+                  <a:srgbClr val="666666"/>
+                </a:solidFill>
+                <a:latin typeface="Karla"/>
+                <a:ea typeface="Karla"/>
+                <a:cs typeface="Karla"/>
+                <a:sym typeface="Karla"/>
+              </a:rPr>
+              <a:t>Exploit contextual information to make more accurate decisions</a:t>
+            </a:r>
+          </a:p>
+          <a:p>
+            <a:pPr marL="171450" lvl="0" indent="-171450">
+              <a:buFont typeface="Arial" panose="020B0604020202020204" pitchFamily="34" charset="0"/>
+              <a:buChar char="•"/>
+            </a:pPr>
+            <a:endParaRPr lang="en-US" sz="1600" dirty="0">
+              <a:solidFill>
+                <a:srgbClr val="666666"/>
+              </a:solidFill>
+              <a:latin typeface="Karla"/>
+              <a:ea typeface="Karla"/>
+              <a:cs typeface="Karla"/>
+              <a:sym typeface="Karla"/>
+            </a:endParaRPr>
+          </a:p>
+        </p:txBody>
+      </p:sp>
+      <p:pic>
+        <p:nvPicPr>
+          <p:cNvPr id="2" name="Picture 1">
+            <a:extLst>
+              <a:ext uri="{FF2B5EF4-FFF2-40B4-BE49-F238E27FC236}">
+                <a16:creationId xmlns:a16="http://schemas.microsoft.com/office/drawing/2014/main" id="{7277F703-D46B-4A30-8CA8-FC2BA0C25597}"/>
+              </a:ext>
+            </a:extLst>
+          </p:cNvPr>
+          <p:cNvPicPr>
+            <a:picLocks noChangeAspect="1"/>
+          </p:cNvPicPr>
+          <p:nvPr/>
+        </p:nvPicPr>
+        <p:blipFill>
+          <a:blip r:embed="rId3"/>
+          <a:stretch>
+            <a:fillRect/>
+          </a:stretch>
+        </p:blipFill>
+        <p:spPr>
+          <a:xfrm>
+            <a:off x="572428" y="2321316"/>
+            <a:ext cx="4393111" cy="2795616"/>
+          </a:xfrm>
+          <a:prstGeom prst="rect">
+            <a:avLst/>
+          </a:prstGeom>
+        </p:spPr>
+      </p:pic>
+    </p:spTree>
+    <p:extLst>
+      <p:ext uri="{BB962C8B-B14F-4D97-AF65-F5344CB8AC3E}">
+        <p14:creationId xmlns:p14="http://schemas.microsoft.com/office/powerpoint/2010/main" val="3222580965"/>
+      </p:ext>
+    </p:extLst>
+  </p:cSld>
+  <p:clrMapOvr>
+    <a:masterClrMapping/>
+  </p:clrMapOvr>
+</p:sld>
+</file>
+
+<file path=ppt/slides/slide6.xml><?xml version="1.0" encoding="utf-8"?>
+<p:sld xmlns:a="http://schemas.openxmlformats.org/drawingml/2006/main" xmlns:r="http://schemas.openxmlformats.org/officeDocument/2006/relationships" xmlns:p="http://schemas.openxmlformats.org/presentationml/2006/main">
+  <p:cSld>
+    <p:bg>
+      <p:bgPr>
+        <a:solidFill>
+          <a:srgbClr val="9C27B0"/>
+        </a:solidFill>
+        <a:effectLst/>
+      </p:bgPr>
+    </p:bg>
+    <p:spTree>
+      <p:nvGrpSpPr>
+        <p:cNvPr id="1" name=""/>
+        <p:cNvGrpSpPr/>
+        <p:nvPr/>
+      </p:nvGrpSpPr>
+      <p:grpSpPr>
+        <a:xfrm>
+          <a:off x="0" y="0"/>
+          <a:ext cx="0" cy="0"/>
+          <a:chOff x="0" y="0"/>
+          <a:chExt cx="0" cy="0"/>
+        </a:xfrm>
+      </p:grpSpPr>
       <p:pic>
         <p:nvPicPr>
           <p:cNvPr id="7" name="Picture 6" descr="A screenshot of a social media post&#10;&#10;Description generated with very high confidence">
@@ -9992,7 +10717,7 @@
     </p:spTree>
     <p:extLst>
       <p:ext uri="{BB962C8B-B14F-4D97-AF65-F5344CB8AC3E}">
-        <p14:creationId xmlns:p14="http://schemas.microsoft.com/office/powerpoint/2010/main" val="3222580965"/>
+        <p14:creationId xmlns:p14="http://schemas.microsoft.com/office/powerpoint/2010/main" val="3001154669"/>
       </p:ext>
     </p:extLst>
   </p:cSld>
@@ -10002,7 +10727,7 @@
 </p:sld>
 </file>
 
-<file path=ppt/slides/slide6.xml><?xml version="1.0" encoding="utf-8"?>
+<file path=ppt/slides/slide7.xml><?xml version="1.0" encoding="utf-8"?>
 <p:sld xmlns:a="http://schemas.openxmlformats.org/drawingml/2006/main" xmlns:r="http://schemas.openxmlformats.org/officeDocument/2006/relationships" xmlns:p="http://schemas.openxmlformats.org/presentationml/2006/main">
   <p:cSld>
     <p:bg>
@@ -10605,7 +11330,7 @@
 </p:sld>
 </file>
 
-<file path=ppt/slides/slide7.xml><?xml version="1.0" encoding="utf-8"?>
+<file path=ppt/slides/slide8.xml><?xml version="1.0" encoding="utf-8"?>
 <p:sld xmlns:a="http://schemas.openxmlformats.org/drawingml/2006/main" xmlns:r="http://schemas.openxmlformats.org/officeDocument/2006/relationships" xmlns:p="http://schemas.openxmlformats.org/presentationml/2006/main">
   <p:cSld>
     <p:bg>
@@ -11687,7 +12412,7 @@
 </p:sld>
 </file>
 
-<file path=ppt/slides/slide8.xml><?xml version="1.0" encoding="utf-8"?>
+<file path=ppt/slides/slide9.xml><?xml version="1.0" encoding="utf-8"?>
 <p:sld xmlns:a="http://schemas.openxmlformats.org/drawingml/2006/main" xmlns:r="http://schemas.openxmlformats.org/officeDocument/2006/relationships" xmlns:p="http://schemas.openxmlformats.org/presentationml/2006/main">
   <p:cSld>
     <p:bg>

--- a/Report/Computer Vision seminar presentation.pptx
+++ b/Report/Computer Vision seminar presentation.pptx
@@ -5,7 +5,7 @@
     <p:sldMasterId id="2147483660" r:id="rId1"/>
   </p:sldMasterIdLst>
   <p:notesMasterIdLst>
-    <p:notesMasterId r:id="rId11"/>
+    <p:notesMasterId r:id="rId12"/>
   </p:notesMasterIdLst>
   <p:sldIdLst>
     <p:sldId id="256" r:id="rId2"/>
@@ -15,32 +15,33 @@
     <p:sldId id="290" r:id="rId6"/>
     <p:sldId id="302" r:id="rId7"/>
     <p:sldId id="299" r:id="rId8"/>
-    <p:sldId id="298" r:id="rId9"/>
-    <p:sldId id="301" r:id="rId10"/>
+    <p:sldId id="303" r:id="rId9"/>
+    <p:sldId id="298" r:id="rId10"/>
+    <p:sldId id="301" r:id="rId11"/>
   </p:sldIdLst>
   <p:sldSz cx="9144000" cy="5143500" type="screen16x9"/>
   <p:notesSz cx="6858000" cy="9144000"/>
   <p:embeddedFontLst>
     <p:embeddedFont>
       <p:font typeface="Calibri" panose="020F0502020204030204" pitchFamily="34" charset="0"/>
-      <p:regular r:id="rId12"/>
-      <p:bold r:id="rId13"/>
-      <p:italic r:id="rId14"/>
-      <p:boldItalic r:id="rId15"/>
+      <p:regular r:id="rId13"/>
+      <p:bold r:id="rId14"/>
+      <p:italic r:id="rId15"/>
+      <p:boldItalic r:id="rId16"/>
     </p:embeddedFont>
     <p:embeddedFont>
       <p:font typeface="Montserrat" panose="020B0604020202020204" charset="0"/>
-      <p:regular r:id="rId16"/>
-      <p:bold r:id="rId17"/>
-      <p:italic r:id="rId18"/>
-      <p:boldItalic r:id="rId19"/>
+      <p:regular r:id="rId17"/>
+      <p:bold r:id="rId18"/>
+      <p:italic r:id="rId19"/>
+      <p:boldItalic r:id="rId20"/>
     </p:embeddedFont>
     <p:embeddedFont>
       <p:font typeface="Karla" panose="020B0604020202020204" charset="0"/>
-      <p:regular r:id="rId20"/>
-      <p:bold r:id="rId21"/>
-      <p:italic r:id="rId22"/>
-      <p:boldItalic r:id="rId23"/>
+      <p:regular r:id="rId21"/>
+      <p:bold r:id="rId22"/>
+      <p:italic r:id="rId23"/>
+      <p:boldItalic r:id="rId24"/>
     </p:embeddedFont>
   </p:embeddedFontLst>
   <p:defaultTextStyle>
@@ -3702,7 +3703,317 @@
           </a:p>
         </p:txBody>
       </p:sp>
+      <p:pic>
+        <p:nvPicPr>
+          <p:cNvPr id="6" name="Picture 5">
+            <a:extLst>
+              <a:ext uri="{FF2B5EF4-FFF2-40B4-BE49-F238E27FC236}">
+                <a16:creationId xmlns:a16="http://schemas.microsoft.com/office/drawing/2014/main" id="{9A89EFF4-69F4-4B7F-A933-8A5F267408BE}"/>
+              </a:ext>
+            </a:extLst>
+          </p:cNvPr>
+          <p:cNvPicPr>
+            <a:picLocks noChangeAspect="1"/>
+          </p:cNvPicPr>
+          <p:nvPr/>
+        </p:nvPicPr>
+        <p:blipFill>
+          <a:blip r:embed="rId4"/>
+          <a:stretch>
+            <a:fillRect/>
+          </a:stretch>
+        </p:blipFill>
+        <p:spPr>
+          <a:xfrm>
+            <a:off x="6460921" y="1312793"/>
+            <a:ext cx="2430036" cy="503845"/>
+          </a:xfrm>
+          <a:prstGeom prst="rect">
+            <a:avLst/>
+          </a:prstGeom>
+        </p:spPr>
+      </p:pic>
     </p:spTree>
+  </p:cSld>
+  <p:clrMapOvr>
+    <a:masterClrMapping/>
+  </p:clrMapOvr>
+</p:sld>
+</file>
+
+<file path=ppt/slides/slide10.xml><?xml version="1.0" encoding="utf-8"?>
+<p:sld xmlns:a="http://schemas.openxmlformats.org/drawingml/2006/main" xmlns:r="http://schemas.openxmlformats.org/officeDocument/2006/relationships" xmlns:p="http://schemas.openxmlformats.org/presentationml/2006/main">
+  <p:cSld>
+    <p:bg>
+      <p:bgPr>
+        <a:solidFill>
+          <a:srgbClr val="009688"/>
+        </a:solidFill>
+        <a:effectLst/>
+      </p:bgPr>
+    </p:bg>
+    <p:spTree>
+      <p:nvGrpSpPr>
+        <p:cNvPr id="1" name=""/>
+        <p:cNvGrpSpPr/>
+        <p:nvPr/>
+      </p:nvGrpSpPr>
+      <p:grpSpPr>
+        <a:xfrm>
+          <a:off x="0" y="0"/>
+          <a:ext cx="0" cy="0"/>
+          <a:chOff x="0" y="0"/>
+          <a:chExt cx="0" cy="0"/>
+        </a:xfrm>
+      </p:grpSpPr>
+      <p:sp>
+        <p:nvSpPr>
+          <p:cNvPr id="4" name="Shape 390">
+            <a:extLst>
+              <a:ext uri="{FF2B5EF4-FFF2-40B4-BE49-F238E27FC236}">
+                <a16:creationId xmlns:a16="http://schemas.microsoft.com/office/drawing/2014/main" id="{D61230BF-6144-487A-A547-1C44C3403C34}"/>
+              </a:ext>
+            </a:extLst>
+          </p:cNvPr>
+          <p:cNvSpPr txBox="1">
+            <a:spLocks/>
+          </p:cNvSpPr>
+          <p:nvPr/>
+        </p:nvSpPr>
+        <p:spPr>
+          <a:xfrm>
+            <a:off x="685800" y="3900948"/>
+            <a:ext cx="4531500" cy="759542"/>
+          </a:xfrm>
+          <a:prstGeom prst="rect">
+            <a:avLst/>
+          </a:prstGeom>
+          <a:noFill/>
+          <a:ln>
+            <a:noFill/>
+          </a:ln>
+        </p:spPr>
+        <p:txBody>
+          <a:bodyPr wrap="square" lIns="91425" tIns="91425" rIns="91425" bIns="91425" anchor="b" anchorCtr="0">
+            <a:noAutofit/>
+          </a:bodyPr>
+          <a:lstStyle>
+            <a:defPPr marR="0" lvl="0" algn="l" rtl="0">
+              <a:lnSpc>
+                <a:spcPct val="100000"/>
+              </a:lnSpc>
+              <a:spcBef>
+                <a:spcPts val="0"/>
+              </a:spcBef>
+              <a:spcAft>
+                <a:spcPts val="0"/>
+              </a:spcAft>
+            </a:defPPr>
+            <a:lvl1pPr marR="0" lvl="0" algn="l" rtl="0">
+              <a:lnSpc>
+                <a:spcPct val="100000"/>
+              </a:lnSpc>
+              <a:spcBef>
+                <a:spcPts val="0"/>
+              </a:spcBef>
+              <a:spcAft>
+                <a:spcPts val="0"/>
+              </a:spcAft>
+              <a:buClr>
+                <a:srgbClr val="999999"/>
+              </a:buClr>
+              <a:buSzPct val="100000"/>
+              <a:buFont typeface="Montserrat"/>
+              <a:buNone/>
+              <a:defRPr sz="2400" b="1" i="0" u="none" strike="noStrike" cap="none">
+                <a:solidFill>
+                  <a:srgbClr val="999999"/>
+                </a:solidFill>
+                <a:latin typeface="Montserrat"/>
+                <a:ea typeface="Montserrat"/>
+                <a:cs typeface="Montserrat"/>
+                <a:sym typeface="Montserrat"/>
+              </a:defRPr>
+            </a:lvl1pPr>
+            <a:lvl2pPr lvl="1">
+              <a:spcBef>
+                <a:spcPts val="0"/>
+              </a:spcBef>
+              <a:buClr>
+                <a:srgbClr val="999999"/>
+              </a:buClr>
+              <a:buSzPct val="100000"/>
+              <a:buFont typeface="Montserrat"/>
+              <a:buNone/>
+              <a:defRPr sz="2400" b="1">
+                <a:solidFill>
+                  <a:srgbClr val="999999"/>
+                </a:solidFill>
+                <a:latin typeface="Montserrat"/>
+                <a:ea typeface="Montserrat"/>
+                <a:cs typeface="Montserrat"/>
+                <a:sym typeface="Montserrat"/>
+              </a:defRPr>
+            </a:lvl2pPr>
+            <a:lvl3pPr lvl="2">
+              <a:spcBef>
+                <a:spcPts val="0"/>
+              </a:spcBef>
+              <a:buClr>
+                <a:srgbClr val="999999"/>
+              </a:buClr>
+              <a:buSzPct val="100000"/>
+              <a:buFont typeface="Montserrat"/>
+              <a:buNone/>
+              <a:defRPr sz="2400" b="1">
+                <a:solidFill>
+                  <a:srgbClr val="999999"/>
+                </a:solidFill>
+                <a:latin typeface="Montserrat"/>
+                <a:ea typeface="Montserrat"/>
+                <a:cs typeface="Montserrat"/>
+                <a:sym typeface="Montserrat"/>
+              </a:defRPr>
+            </a:lvl3pPr>
+            <a:lvl4pPr lvl="3">
+              <a:spcBef>
+                <a:spcPts val="0"/>
+              </a:spcBef>
+              <a:buClr>
+                <a:srgbClr val="999999"/>
+              </a:buClr>
+              <a:buSzPct val="100000"/>
+              <a:buFont typeface="Montserrat"/>
+              <a:buNone/>
+              <a:defRPr sz="2400" b="1">
+                <a:solidFill>
+                  <a:srgbClr val="999999"/>
+                </a:solidFill>
+                <a:latin typeface="Montserrat"/>
+                <a:ea typeface="Montserrat"/>
+                <a:cs typeface="Montserrat"/>
+                <a:sym typeface="Montserrat"/>
+              </a:defRPr>
+            </a:lvl4pPr>
+            <a:lvl5pPr lvl="4">
+              <a:spcBef>
+                <a:spcPts val="0"/>
+              </a:spcBef>
+              <a:buClr>
+                <a:srgbClr val="999999"/>
+              </a:buClr>
+              <a:buSzPct val="100000"/>
+              <a:buFont typeface="Montserrat"/>
+              <a:buNone/>
+              <a:defRPr sz="2400" b="1">
+                <a:solidFill>
+                  <a:srgbClr val="999999"/>
+                </a:solidFill>
+                <a:latin typeface="Montserrat"/>
+                <a:ea typeface="Montserrat"/>
+                <a:cs typeface="Montserrat"/>
+                <a:sym typeface="Montserrat"/>
+              </a:defRPr>
+            </a:lvl5pPr>
+            <a:lvl6pPr lvl="5">
+              <a:spcBef>
+                <a:spcPts val="0"/>
+              </a:spcBef>
+              <a:buClr>
+                <a:srgbClr val="999999"/>
+              </a:buClr>
+              <a:buSzPct val="100000"/>
+              <a:buFont typeface="Montserrat"/>
+              <a:buNone/>
+              <a:defRPr sz="2400" b="1">
+                <a:solidFill>
+                  <a:srgbClr val="999999"/>
+                </a:solidFill>
+                <a:latin typeface="Montserrat"/>
+                <a:ea typeface="Montserrat"/>
+                <a:cs typeface="Montserrat"/>
+                <a:sym typeface="Montserrat"/>
+              </a:defRPr>
+            </a:lvl6pPr>
+            <a:lvl7pPr lvl="6">
+              <a:spcBef>
+                <a:spcPts val="0"/>
+              </a:spcBef>
+              <a:buClr>
+                <a:srgbClr val="999999"/>
+              </a:buClr>
+              <a:buSzPct val="100000"/>
+              <a:buFont typeface="Montserrat"/>
+              <a:buNone/>
+              <a:defRPr sz="2400" b="1">
+                <a:solidFill>
+                  <a:srgbClr val="999999"/>
+                </a:solidFill>
+                <a:latin typeface="Montserrat"/>
+                <a:ea typeface="Montserrat"/>
+                <a:cs typeface="Montserrat"/>
+                <a:sym typeface="Montserrat"/>
+              </a:defRPr>
+            </a:lvl7pPr>
+            <a:lvl8pPr lvl="7">
+              <a:spcBef>
+                <a:spcPts val="0"/>
+              </a:spcBef>
+              <a:buClr>
+                <a:srgbClr val="999999"/>
+              </a:buClr>
+              <a:buSzPct val="100000"/>
+              <a:buFont typeface="Montserrat"/>
+              <a:buNone/>
+              <a:defRPr sz="2400" b="1">
+                <a:solidFill>
+                  <a:srgbClr val="999999"/>
+                </a:solidFill>
+                <a:latin typeface="Montserrat"/>
+                <a:ea typeface="Montserrat"/>
+                <a:cs typeface="Montserrat"/>
+                <a:sym typeface="Montserrat"/>
+              </a:defRPr>
+            </a:lvl8pPr>
+            <a:lvl9pPr lvl="8">
+              <a:spcBef>
+                <a:spcPts val="0"/>
+              </a:spcBef>
+              <a:buClr>
+                <a:srgbClr val="999999"/>
+              </a:buClr>
+              <a:buSzPct val="100000"/>
+              <a:buFont typeface="Montserrat"/>
+              <a:buNone/>
+              <a:defRPr sz="2400" b="1">
+                <a:solidFill>
+                  <a:srgbClr val="999999"/>
+                </a:solidFill>
+                <a:latin typeface="Montserrat"/>
+                <a:ea typeface="Montserrat"/>
+                <a:cs typeface="Montserrat"/>
+                <a:sym typeface="Montserrat"/>
+              </a:defRPr>
+            </a:lvl9pPr>
+          </a:lstStyle>
+          <a:p>
+            <a:r>
+              <a:rPr lang="en" sz="3600" dirty="0">
+                <a:solidFill>
+                  <a:srgbClr val="009688"/>
+                </a:solidFill>
+              </a:rPr>
+              <a:t>THANKS!</a:t>
+            </a:r>
+          </a:p>
+        </p:txBody>
+      </p:sp>
+    </p:spTree>
+    <p:extLst>
+      <p:ext uri="{BB962C8B-B14F-4D97-AF65-F5344CB8AC3E}">
+        <p14:creationId xmlns:p14="http://schemas.microsoft.com/office/powerpoint/2010/main" val="3804242514"/>
+      </p:ext>
+    </p:extLst>
   </p:cSld>
   <p:clrMapOvr>
     <a:masterClrMapping/>
@@ -9247,8 +9558,8 @@
         </p:nvSpPr>
         <p:spPr>
           <a:xfrm>
-            <a:off x="505521" y="438616"/>
-            <a:ext cx="6906323" cy="825190"/>
+            <a:off x="505522" y="438616"/>
+            <a:ext cx="6315608" cy="825190"/>
           </a:xfrm>
           <a:prstGeom prst="rect">
             <a:avLst/>
@@ -9870,7 +10181,7 @@
     <p:bg>
       <p:bgPr>
         <a:solidFill>
-          <a:srgbClr val="9C27B0"/>
+          <a:srgbClr val="673AB7"/>
         </a:solidFill>
         <a:effectLst/>
       </p:bgPr>
@@ -10733,7 +11044,7 @@
     <p:bg>
       <p:bgPr>
         <a:solidFill>
-          <a:srgbClr val="673AB7"/>
+          <a:srgbClr val="3F51B5"/>
         </a:solidFill>
         <a:effectLst/>
       </p:bgPr>
@@ -11163,7 +11474,7 @@
         </p:blipFill>
         <p:spPr>
           <a:xfrm>
-            <a:off x="590282" y="3072675"/>
+            <a:off x="572428" y="3135423"/>
             <a:ext cx="6382947" cy="1693024"/>
           </a:xfrm>
           <a:prstGeom prst="rect">
@@ -11245,6 +11556,561 @@
         </p:nvSpPr>
         <p:spPr>
           <a:xfrm>
+            <a:off x="572428" y="1264606"/>
+            <a:ext cx="7044697" cy="1782191"/>
+          </a:xfrm>
+          <a:prstGeom prst="rect">
+            <a:avLst/>
+          </a:prstGeom>
+          <a:noFill/>
+          <a:ln>
+            <a:noFill/>
+          </a:ln>
+        </p:spPr>
+        <p:txBody>
+          <a:bodyPr wrap="square" lIns="91425" tIns="91425" rIns="91425" bIns="91425" anchor="t" anchorCtr="0">
+            <a:noAutofit/>
+          </a:bodyPr>
+          <a:lstStyle/>
+          <a:p>
+            <a:pPr marL="171450" lvl="0" indent="-171450">
+              <a:buFont typeface="Arial" panose="020B0604020202020204" pitchFamily="34" charset="0"/>
+              <a:buChar char="•"/>
+            </a:pPr>
+            <a:r>
+              <a:rPr lang="en-GB" sz="1600" dirty="0">
+                <a:solidFill>
+                  <a:srgbClr val="666666"/>
+                </a:solidFill>
+                <a:latin typeface="Karla"/>
+                <a:ea typeface="Karla"/>
+                <a:cs typeface="Karla"/>
+                <a:sym typeface="Karla"/>
+              </a:rPr>
+              <a:t>Situations to evaluate: entry or exit of people, loitering events and unattended cash desk situations in the payment area</a:t>
+            </a:r>
+          </a:p>
+          <a:p>
+            <a:pPr marL="171450" lvl="0" indent="-171450">
+              <a:buFont typeface="Arial" panose="020B0604020202020204" pitchFamily="34" charset="0"/>
+              <a:buChar char="•"/>
+            </a:pPr>
+            <a:r>
+              <a:rPr lang="en-US" sz="1600" dirty="0">
+                <a:solidFill>
+                  <a:srgbClr val="666666"/>
+                </a:solidFill>
+                <a:latin typeface="Karla"/>
+                <a:ea typeface="Karla"/>
+                <a:cs typeface="Karla"/>
+                <a:sym typeface="Karla"/>
+              </a:rPr>
+              <a:t>Innovative tracking method – 1. LSAP (Linear Sum Assignment Problem), Kalman filter (predict future positions); 2. </a:t>
+            </a:r>
+            <a:r>
+              <a:rPr lang="en-GB" sz="1600" dirty="0">
+                <a:solidFill>
+                  <a:srgbClr val="666666"/>
+                </a:solidFill>
+                <a:latin typeface="Karla"/>
+                <a:ea typeface="Karla"/>
+                <a:cs typeface="Karla"/>
+                <a:sym typeface="Karla"/>
+              </a:rPr>
+              <a:t>occlusions between objects are managed applying a method based on visual appearance in which image descriptors are tested: </a:t>
+            </a:r>
+            <a:r>
+              <a:rPr lang="en-US" sz="1600" dirty="0">
+                <a:solidFill>
+                  <a:srgbClr val="666666"/>
+                </a:solidFill>
+                <a:latin typeface="Karla"/>
+                <a:ea typeface="Karla"/>
+                <a:cs typeface="Karla"/>
+                <a:sym typeface="Karla"/>
+              </a:rPr>
+              <a:t>GCH (Global Color Histogram), LBP (Local Binary Pattern), HOG (Histogram of Oriented Gradients).</a:t>
+            </a:r>
+          </a:p>
+        </p:txBody>
+      </p:sp>
+    </p:spTree>
+    <p:extLst>
+      <p:ext uri="{BB962C8B-B14F-4D97-AF65-F5344CB8AC3E}">
+        <p14:creationId xmlns:p14="http://schemas.microsoft.com/office/powerpoint/2010/main" val="4256556761"/>
+      </p:ext>
+    </p:extLst>
+  </p:cSld>
+  <p:clrMapOvr>
+    <a:masterClrMapping/>
+  </p:clrMapOvr>
+</p:sld>
+</file>
+
+<file path=ppt/slides/slide8.xml><?xml version="1.0" encoding="utf-8"?>
+<p:sld xmlns:a="http://schemas.openxmlformats.org/drawingml/2006/main" xmlns:r="http://schemas.openxmlformats.org/officeDocument/2006/relationships" xmlns:p="http://schemas.openxmlformats.org/presentationml/2006/main">
+  <p:cSld>
+    <p:bg>
+      <p:bgPr>
+        <a:solidFill>
+          <a:srgbClr val="03A9F4"/>
+        </a:solidFill>
+        <a:effectLst/>
+      </p:bgPr>
+    </p:bg>
+    <p:spTree>
+      <p:nvGrpSpPr>
+        <p:cNvPr id="1" name=""/>
+        <p:cNvGrpSpPr/>
+        <p:nvPr/>
+      </p:nvGrpSpPr>
+      <p:grpSpPr>
+        <a:xfrm>
+          <a:off x="0" y="0"/>
+          <a:ext cx="0" cy="0"/>
+          <a:chOff x="0" y="0"/>
+          <a:chExt cx="0" cy="0"/>
+        </a:xfrm>
+      </p:grpSpPr>
+      <p:sp>
+        <p:nvSpPr>
+          <p:cNvPr id="6" name="Shape 328">
+            <a:extLst>
+              <a:ext uri="{FF2B5EF4-FFF2-40B4-BE49-F238E27FC236}">
+                <a16:creationId xmlns:a16="http://schemas.microsoft.com/office/drawing/2014/main" id="{FCDB85AC-CE78-495C-8F8C-B276189508CA}"/>
+              </a:ext>
+            </a:extLst>
+          </p:cNvPr>
+          <p:cNvSpPr txBox="1">
+            <a:spLocks/>
+          </p:cNvSpPr>
+          <p:nvPr/>
+        </p:nvSpPr>
+        <p:spPr>
+          <a:xfrm>
+            <a:off x="535018" y="384279"/>
+            <a:ext cx="6250794" cy="867521"/>
+          </a:xfrm>
+          <a:prstGeom prst="rect">
+            <a:avLst/>
+          </a:prstGeom>
+          <a:noFill/>
+          <a:ln>
+            <a:noFill/>
+          </a:ln>
+        </p:spPr>
+        <p:txBody>
+          <a:bodyPr wrap="square" lIns="91425" tIns="91425" rIns="91425" bIns="91425" anchor="b" anchorCtr="0">
+            <a:noAutofit/>
+          </a:bodyPr>
+          <a:lstStyle>
+            <a:defPPr marR="0" lvl="0" algn="l" rtl="0">
+              <a:lnSpc>
+                <a:spcPct val="100000"/>
+              </a:lnSpc>
+              <a:spcBef>
+                <a:spcPts val="0"/>
+              </a:spcBef>
+              <a:spcAft>
+                <a:spcPts val="0"/>
+              </a:spcAft>
+            </a:defPPr>
+            <a:lvl1pPr marR="0" lvl="0" algn="l" rtl="0">
+              <a:lnSpc>
+                <a:spcPct val="100000"/>
+              </a:lnSpc>
+              <a:spcBef>
+                <a:spcPts val="0"/>
+              </a:spcBef>
+              <a:spcAft>
+                <a:spcPts val="0"/>
+              </a:spcAft>
+              <a:buClr>
+                <a:srgbClr val="999999"/>
+              </a:buClr>
+              <a:buSzPct val="100000"/>
+              <a:buFont typeface="Montserrat"/>
+              <a:buNone/>
+              <a:defRPr sz="3000" b="1" i="0" u="none" strike="noStrike" cap="none">
+                <a:solidFill>
+                  <a:srgbClr val="999999"/>
+                </a:solidFill>
+                <a:latin typeface="Montserrat"/>
+                <a:ea typeface="Montserrat"/>
+                <a:cs typeface="Montserrat"/>
+                <a:sym typeface="Montserrat"/>
+              </a:defRPr>
+            </a:lvl1pPr>
+            <a:lvl2pPr lvl="1" rtl="0">
+              <a:spcBef>
+                <a:spcPts val="0"/>
+              </a:spcBef>
+              <a:buClr>
+                <a:srgbClr val="999999"/>
+              </a:buClr>
+              <a:buSzPct val="100000"/>
+              <a:buFont typeface="Montserrat"/>
+              <a:buNone/>
+              <a:defRPr sz="3000" b="1">
+                <a:solidFill>
+                  <a:srgbClr val="999999"/>
+                </a:solidFill>
+                <a:latin typeface="Montserrat"/>
+                <a:ea typeface="Montserrat"/>
+                <a:cs typeface="Montserrat"/>
+                <a:sym typeface="Montserrat"/>
+              </a:defRPr>
+            </a:lvl2pPr>
+            <a:lvl3pPr lvl="2" rtl="0">
+              <a:spcBef>
+                <a:spcPts val="0"/>
+              </a:spcBef>
+              <a:buClr>
+                <a:srgbClr val="999999"/>
+              </a:buClr>
+              <a:buSzPct val="100000"/>
+              <a:buFont typeface="Montserrat"/>
+              <a:buNone/>
+              <a:defRPr sz="3000" b="1">
+                <a:solidFill>
+                  <a:srgbClr val="999999"/>
+                </a:solidFill>
+                <a:latin typeface="Montserrat"/>
+                <a:ea typeface="Montserrat"/>
+                <a:cs typeface="Montserrat"/>
+                <a:sym typeface="Montserrat"/>
+              </a:defRPr>
+            </a:lvl3pPr>
+            <a:lvl4pPr lvl="3" rtl="0">
+              <a:spcBef>
+                <a:spcPts val="0"/>
+              </a:spcBef>
+              <a:buClr>
+                <a:srgbClr val="999999"/>
+              </a:buClr>
+              <a:buSzPct val="100000"/>
+              <a:buFont typeface="Montserrat"/>
+              <a:buNone/>
+              <a:defRPr sz="3000" b="1">
+                <a:solidFill>
+                  <a:srgbClr val="999999"/>
+                </a:solidFill>
+                <a:latin typeface="Montserrat"/>
+                <a:ea typeface="Montserrat"/>
+                <a:cs typeface="Montserrat"/>
+                <a:sym typeface="Montserrat"/>
+              </a:defRPr>
+            </a:lvl4pPr>
+            <a:lvl5pPr lvl="4" rtl="0">
+              <a:spcBef>
+                <a:spcPts val="0"/>
+              </a:spcBef>
+              <a:buClr>
+                <a:srgbClr val="999999"/>
+              </a:buClr>
+              <a:buSzPct val="100000"/>
+              <a:buFont typeface="Montserrat"/>
+              <a:buNone/>
+              <a:defRPr sz="3000" b="1">
+                <a:solidFill>
+                  <a:srgbClr val="999999"/>
+                </a:solidFill>
+                <a:latin typeface="Montserrat"/>
+                <a:ea typeface="Montserrat"/>
+                <a:cs typeface="Montserrat"/>
+                <a:sym typeface="Montserrat"/>
+              </a:defRPr>
+            </a:lvl5pPr>
+            <a:lvl6pPr lvl="5" rtl="0">
+              <a:spcBef>
+                <a:spcPts val="0"/>
+              </a:spcBef>
+              <a:buClr>
+                <a:srgbClr val="999999"/>
+              </a:buClr>
+              <a:buSzPct val="100000"/>
+              <a:buFont typeface="Montserrat"/>
+              <a:buNone/>
+              <a:defRPr sz="3000" b="1">
+                <a:solidFill>
+                  <a:srgbClr val="999999"/>
+                </a:solidFill>
+                <a:latin typeface="Montserrat"/>
+                <a:ea typeface="Montserrat"/>
+                <a:cs typeface="Montserrat"/>
+                <a:sym typeface="Montserrat"/>
+              </a:defRPr>
+            </a:lvl6pPr>
+            <a:lvl7pPr lvl="6" rtl="0">
+              <a:spcBef>
+                <a:spcPts val="0"/>
+              </a:spcBef>
+              <a:buClr>
+                <a:srgbClr val="999999"/>
+              </a:buClr>
+              <a:buSzPct val="100000"/>
+              <a:buFont typeface="Montserrat"/>
+              <a:buNone/>
+              <a:defRPr sz="3000" b="1">
+                <a:solidFill>
+                  <a:srgbClr val="999999"/>
+                </a:solidFill>
+                <a:latin typeface="Montserrat"/>
+                <a:ea typeface="Montserrat"/>
+                <a:cs typeface="Montserrat"/>
+                <a:sym typeface="Montserrat"/>
+              </a:defRPr>
+            </a:lvl7pPr>
+            <a:lvl8pPr lvl="7" rtl="0">
+              <a:spcBef>
+                <a:spcPts val="0"/>
+              </a:spcBef>
+              <a:buClr>
+                <a:srgbClr val="999999"/>
+              </a:buClr>
+              <a:buSzPct val="100000"/>
+              <a:buFont typeface="Montserrat"/>
+              <a:buNone/>
+              <a:defRPr sz="3000" b="1">
+                <a:solidFill>
+                  <a:srgbClr val="999999"/>
+                </a:solidFill>
+                <a:latin typeface="Montserrat"/>
+                <a:ea typeface="Montserrat"/>
+                <a:cs typeface="Montserrat"/>
+                <a:sym typeface="Montserrat"/>
+              </a:defRPr>
+            </a:lvl8pPr>
+            <a:lvl9pPr lvl="8" rtl="0">
+              <a:spcBef>
+                <a:spcPts val="0"/>
+              </a:spcBef>
+              <a:buClr>
+                <a:srgbClr val="999999"/>
+              </a:buClr>
+              <a:buSzPct val="100000"/>
+              <a:buFont typeface="Montserrat"/>
+              <a:buNone/>
+              <a:defRPr sz="3000" b="1">
+                <a:solidFill>
+                  <a:srgbClr val="999999"/>
+                </a:solidFill>
+                <a:latin typeface="Montserrat"/>
+                <a:ea typeface="Montserrat"/>
+                <a:cs typeface="Montserrat"/>
+                <a:sym typeface="Montserrat"/>
+              </a:defRPr>
+            </a:lvl9pPr>
+          </a:lstStyle>
+          <a:p>
+            <a:r>
+              <a:rPr lang="en-GB" sz="2000" dirty="0">
+                <a:solidFill>
+                  <a:schemeClr val="tx2">
+                    <a:lumMod val="75000"/>
+                  </a:schemeClr>
+                </a:solidFill>
+              </a:rPr>
+              <a:t>Multiple Anomalous Activity Detection in Videos</a:t>
+            </a:r>
+          </a:p>
+          <a:p>
+            <a:r>
+              <a:rPr lang="en-US" sz="1000" dirty="0">
+                <a:solidFill>
+                  <a:schemeClr val="tx2">
+                    <a:lumMod val="75000"/>
+                  </a:schemeClr>
+                </a:solidFill>
+                <a:latin typeface="Karla"/>
+                <a:ea typeface="Karla"/>
+                <a:cs typeface="Karla"/>
+                <a:sym typeface="Karla"/>
+              </a:rPr>
+              <a:t>[2017] Sarita </a:t>
+            </a:r>
+            <a:r>
+              <a:rPr lang="en-US" sz="1000" dirty="0" err="1">
+                <a:solidFill>
+                  <a:schemeClr val="tx2">
+                    <a:lumMod val="75000"/>
+                  </a:schemeClr>
+                </a:solidFill>
+                <a:latin typeface="Karla"/>
+                <a:ea typeface="Karla"/>
+                <a:cs typeface="Karla"/>
+                <a:sym typeface="Karla"/>
+              </a:rPr>
+              <a:t>Chaudharya</a:t>
+            </a:r>
+            <a:r>
+              <a:rPr lang="en-US" sz="1000" dirty="0">
+                <a:solidFill>
+                  <a:schemeClr val="tx2">
+                    <a:lumMod val="75000"/>
+                  </a:schemeClr>
+                </a:solidFill>
+                <a:latin typeface="Karla"/>
+                <a:ea typeface="Karla"/>
+                <a:cs typeface="Karla"/>
+                <a:sym typeface="Karla"/>
+              </a:rPr>
+              <a:t>, </a:t>
+            </a:r>
+            <a:r>
+              <a:rPr lang="en-US" sz="1000" dirty="0" err="1">
+                <a:solidFill>
+                  <a:schemeClr val="tx2">
+                    <a:lumMod val="75000"/>
+                  </a:schemeClr>
+                </a:solidFill>
+                <a:latin typeface="Karla"/>
+                <a:ea typeface="Karla"/>
+                <a:cs typeface="Karla"/>
+                <a:sym typeface="Karla"/>
+              </a:rPr>
+              <a:t>Mohd</a:t>
+            </a:r>
+            <a:r>
+              <a:rPr lang="en-US" sz="1000" dirty="0">
+                <a:solidFill>
+                  <a:schemeClr val="tx2">
+                    <a:lumMod val="75000"/>
+                  </a:schemeClr>
+                </a:solidFill>
+                <a:latin typeface="Karla"/>
+                <a:ea typeface="Karla"/>
+                <a:cs typeface="Karla"/>
+                <a:sym typeface="Karla"/>
+              </a:rPr>
+              <a:t> </a:t>
+            </a:r>
+            <a:r>
+              <a:rPr lang="en-US" sz="1000" dirty="0" err="1">
+                <a:solidFill>
+                  <a:schemeClr val="tx2">
+                    <a:lumMod val="75000"/>
+                  </a:schemeClr>
+                </a:solidFill>
+                <a:latin typeface="Karla"/>
+                <a:ea typeface="Karla"/>
+                <a:cs typeface="Karla"/>
+                <a:sym typeface="Karla"/>
+              </a:rPr>
+              <a:t>Aamir</a:t>
+            </a:r>
+            <a:r>
+              <a:rPr lang="en-US" sz="1000" dirty="0">
+                <a:solidFill>
+                  <a:schemeClr val="tx2">
+                    <a:lumMod val="75000"/>
+                  </a:schemeClr>
+                </a:solidFill>
+                <a:latin typeface="Karla"/>
+                <a:ea typeface="Karla"/>
+                <a:cs typeface="Karla"/>
+                <a:sym typeface="Karla"/>
+              </a:rPr>
+              <a:t> </a:t>
+            </a:r>
+            <a:r>
+              <a:rPr lang="en-US" sz="1000" dirty="0" err="1">
+                <a:solidFill>
+                  <a:schemeClr val="tx2">
+                    <a:lumMod val="75000"/>
+                  </a:schemeClr>
+                </a:solidFill>
+                <a:latin typeface="Karla"/>
+                <a:ea typeface="Karla"/>
+                <a:cs typeface="Karla"/>
+                <a:sym typeface="Karla"/>
+              </a:rPr>
+              <a:t>Khana</a:t>
+            </a:r>
+            <a:r>
+              <a:rPr lang="en-US" sz="1000" dirty="0">
+                <a:solidFill>
+                  <a:schemeClr val="tx2">
+                    <a:lumMod val="75000"/>
+                  </a:schemeClr>
+                </a:solidFill>
+                <a:latin typeface="Karla"/>
+                <a:ea typeface="Karla"/>
+                <a:cs typeface="Karla"/>
+                <a:sym typeface="Karla"/>
+              </a:rPr>
+              <a:t>, </a:t>
+            </a:r>
+            <a:r>
+              <a:rPr lang="en-US" sz="1000" dirty="0" err="1">
+                <a:solidFill>
+                  <a:schemeClr val="tx2">
+                    <a:lumMod val="75000"/>
+                  </a:schemeClr>
+                </a:solidFill>
+                <a:latin typeface="Karla"/>
+                <a:ea typeface="Karla"/>
+                <a:cs typeface="Karla"/>
+                <a:sym typeface="Karla"/>
+              </a:rPr>
+              <a:t>Charul</a:t>
+            </a:r>
+            <a:r>
+              <a:rPr lang="en-US" sz="1000" dirty="0">
+                <a:solidFill>
+                  <a:schemeClr val="tx2">
+                    <a:lumMod val="75000"/>
+                  </a:schemeClr>
+                </a:solidFill>
+                <a:latin typeface="Karla"/>
+                <a:ea typeface="Karla"/>
+                <a:cs typeface="Karla"/>
+                <a:sym typeface="Karla"/>
+              </a:rPr>
+              <a:t> </a:t>
+            </a:r>
+            <a:r>
+              <a:rPr lang="en-US" sz="1000" dirty="0" err="1">
+                <a:solidFill>
+                  <a:schemeClr val="tx2">
+                    <a:lumMod val="75000"/>
+                  </a:schemeClr>
+                </a:solidFill>
+                <a:latin typeface="Karla"/>
+                <a:ea typeface="Karla"/>
+                <a:cs typeface="Karla"/>
+                <a:sym typeface="Karla"/>
+              </a:rPr>
+              <a:t>Bhatnagara</a:t>
+            </a:r>
+            <a:endParaRPr lang="en-US" sz="1000" dirty="0">
+              <a:solidFill>
+                <a:schemeClr val="tx2">
+                  <a:lumMod val="75000"/>
+                </a:schemeClr>
+              </a:solidFill>
+              <a:latin typeface="Karla"/>
+              <a:ea typeface="Karla"/>
+              <a:cs typeface="Karla"/>
+              <a:sym typeface="Karla"/>
+            </a:endParaRPr>
+          </a:p>
+        </p:txBody>
+      </p:sp>
+      <p:sp>
+        <p:nvSpPr>
+          <p:cNvPr id="7" name="Shape 79">
+            <a:extLst>
+              <a:ext uri="{FF2B5EF4-FFF2-40B4-BE49-F238E27FC236}">
+                <a16:creationId xmlns:a16="http://schemas.microsoft.com/office/drawing/2014/main" id="{7558013F-7E8D-4B80-A368-8C34259088B6}"/>
+              </a:ext>
+            </a:extLst>
+          </p:cNvPr>
+          <p:cNvSpPr txBox="1"/>
+          <p:nvPr/>
+        </p:nvSpPr>
+        <p:spPr>
+          <a:xfrm>
             <a:off x="572428" y="1290484"/>
             <a:ext cx="6906323" cy="1782191"/>
           </a:xfrm>
@@ -11276,7 +12142,7 @@
                 <a:cs typeface="Karla"/>
                 <a:sym typeface="Karla"/>
               </a:rPr>
-              <a:t>Situations to evaluate: entry or exit of people, loitering events and unattended cash desk situations in the payment area</a:t>
+              <a:t>Main activities: running, walking and crawling</a:t>
             </a:r>
           </a:p>
           <a:p>
@@ -11294,7 +12160,34 @@
                 <a:cs typeface="Karla"/>
                 <a:sym typeface="Karla"/>
               </a:rPr>
-              <a:t>Background subtraction – Gaussian Mixture Model</a:t>
+              <a:t>Features: centroid, movement, speed, direction and dimensions</a:t>
+            </a:r>
+            <a:endParaRPr lang="en-US" sz="1600" dirty="0">
+              <a:solidFill>
+                <a:srgbClr val="666666"/>
+              </a:solidFill>
+              <a:latin typeface="Karla"/>
+              <a:ea typeface="Karla"/>
+              <a:cs typeface="Karla"/>
+              <a:sym typeface="Karla"/>
+            </a:endParaRPr>
+          </a:p>
+          <a:p>
+            <a:pPr marL="171450" lvl="0" indent="-171450">
+              <a:buFont typeface="Arial" panose="020B0604020202020204" pitchFamily="34" charset="0"/>
+              <a:buChar char="•"/>
+            </a:pPr>
+            <a:r>
+              <a:rPr lang="en-US" sz="1600" dirty="0">
+                <a:solidFill>
+                  <a:srgbClr val="666666"/>
+                </a:solidFill>
+                <a:latin typeface="Karla"/>
+                <a:ea typeface="Karla"/>
+                <a:cs typeface="Karla"/>
+                <a:sym typeface="Karla"/>
+              </a:rPr>
+              <a:t>Concept of dominant set in which dominant behavior (frequently occurring) is treated as normal and less dominant behavior is considered as anomalous</a:t>
             </a:r>
           </a:p>
           <a:p>
@@ -11312,7 +12205,103 @@
                 <a:cs typeface="Karla"/>
                 <a:sym typeface="Karla"/>
               </a:rPr>
-              <a:t>Innovative tracking method – 1. LSAP (Linear Sum Assignment Problem), Kalman filter; 2. GCH (Global Color Histogram), LBP(Local Binary Pattern), HOG (Histogram of Oriented Gradients).</a:t>
+              <a:t>Rule-Based approach to classify events as normal and anomalous</a:t>
+            </a:r>
+          </a:p>
+          <a:p>
+            <a:pPr marL="171450" lvl="0" indent="-171450">
+              <a:buFont typeface="Arial" panose="020B0604020202020204" pitchFamily="34" charset="0"/>
+              <a:buChar char="•"/>
+            </a:pPr>
+            <a:endParaRPr lang="en-US" sz="1600" dirty="0">
+              <a:solidFill>
+                <a:srgbClr val="666666"/>
+              </a:solidFill>
+              <a:latin typeface="Karla"/>
+              <a:ea typeface="Karla"/>
+              <a:cs typeface="Karla"/>
+              <a:sym typeface="Karla"/>
+            </a:endParaRPr>
+          </a:p>
+        </p:txBody>
+      </p:sp>
+      <p:pic>
+        <p:nvPicPr>
+          <p:cNvPr id="9" name="Picture 8">
+            <a:extLst>
+              <a:ext uri="{FF2B5EF4-FFF2-40B4-BE49-F238E27FC236}">
+                <a16:creationId xmlns:a16="http://schemas.microsoft.com/office/drawing/2014/main" id="{F6CAD64E-30FD-4CB3-A873-CFB92B3F7565}"/>
+              </a:ext>
+            </a:extLst>
+          </p:cNvPr>
+          <p:cNvPicPr>
+            <a:picLocks noChangeAspect="1"/>
+          </p:cNvPicPr>
+          <p:nvPr/>
+        </p:nvPicPr>
+        <p:blipFill>
+          <a:blip r:embed="rId2"/>
+          <a:stretch>
+            <a:fillRect/>
+          </a:stretch>
+        </p:blipFill>
+        <p:spPr>
+          <a:xfrm>
+            <a:off x="572427" y="3102499"/>
+            <a:ext cx="3571869" cy="1425224"/>
+          </a:xfrm>
+          <a:prstGeom prst="rect">
+            <a:avLst/>
+          </a:prstGeom>
+        </p:spPr>
+      </p:pic>
+      <p:sp>
+        <p:nvSpPr>
+          <p:cNvPr id="10" name="Shape 79">
+            <a:extLst>
+              <a:ext uri="{FF2B5EF4-FFF2-40B4-BE49-F238E27FC236}">
+                <a16:creationId xmlns:a16="http://schemas.microsoft.com/office/drawing/2014/main" id="{1340E128-644E-4C5F-A418-7B2708C583A3}"/>
+              </a:ext>
+            </a:extLst>
+          </p:cNvPr>
+          <p:cNvSpPr txBox="1"/>
+          <p:nvPr/>
+        </p:nvSpPr>
+        <p:spPr>
+          <a:xfrm>
+            <a:off x="535018" y="4467598"/>
+            <a:ext cx="5003181" cy="312235"/>
+          </a:xfrm>
+          <a:prstGeom prst="rect">
+            <a:avLst/>
+          </a:prstGeom>
+          <a:noFill/>
+          <a:ln>
+            <a:noFill/>
+          </a:ln>
+        </p:spPr>
+        <p:txBody>
+          <a:bodyPr wrap="square" lIns="91425" tIns="91425" rIns="91425" bIns="91425" anchor="t" anchorCtr="0">
+            <a:noAutofit/>
+          </a:bodyPr>
+          <a:lstStyle/>
+          <a:p>
+            <a:pPr lvl="0">
+              <a:spcBef>
+                <a:spcPts val="400"/>
+              </a:spcBef>
+            </a:pPr>
+            <a:r>
+              <a:rPr lang="en-US" sz="1050" dirty="0">
+                <a:solidFill>
+                  <a:srgbClr val="666666"/>
+                </a:solidFill>
+                <a:latin typeface="Karla"/>
+                <a:ea typeface="Karla"/>
+                <a:cs typeface="Karla"/>
+                <a:sym typeface="Karla"/>
+              </a:rPr>
+              <a:t>Sequence showing crawling, walking and running activity.</a:t>
             </a:r>
           </a:p>
         </p:txBody>
@@ -11320,7 +12309,7 @@
     </p:spTree>
     <p:extLst>
       <p:ext uri="{BB962C8B-B14F-4D97-AF65-F5344CB8AC3E}">
-        <p14:creationId xmlns:p14="http://schemas.microsoft.com/office/powerpoint/2010/main" val="4256556761"/>
+        <p14:creationId xmlns:p14="http://schemas.microsoft.com/office/powerpoint/2010/main" val="3713093313"/>
       </p:ext>
     </p:extLst>
   </p:cSld>
@@ -11330,13 +12319,13 @@
 </p:sld>
 </file>
 
-<file path=ppt/slides/slide8.xml><?xml version="1.0" encoding="utf-8"?>
+<file path=ppt/slides/slide9.xml><?xml version="1.0" encoding="utf-8"?>
 <p:sld xmlns:a="http://schemas.openxmlformats.org/drawingml/2006/main" xmlns:r="http://schemas.openxmlformats.org/officeDocument/2006/relationships" xmlns:p="http://schemas.openxmlformats.org/presentationml/2006/main">
   <p:cSld>
     <p:bg>
       <p:bgPr>
         <a:solidFill>
-          <a:srgbClr val="3F51B5"/>
+          <a:srgbClr val="00BCD4"/>
         </a:solidFill>
         <a:effectLst/>
       </p:bgPr>
@@ -11589,14 +12578,14 @@
             <a:r>
               <a:rPr lang="en-GB" sz="3600" dirty="0">
                 <a:solidFill>
-                  <a:srgbClr val="3F51B5"/>
+                  <a:srgbClr val="00BCD4"/>
                 </a:solidFill>
               </a:rPr>
               <a:t>PROPOSED WORK</a:t>
             </a:r>
             <a:endParaRPr lang="en" sz="3600" dirty="0">
               <a:solidFill>
-                <a:srgbClr val="3F51B5"/>
+                <a:srgbClr val="00BCD4"/>
               </a:solidFill>
             </a:endParaRPr>
           </a:p>
@@ -12403,286 +13392,6 @@
     <p:extLst>
       <p:ext uri="{BB962C8B-B14F-4D97-AF65-F5344CB8AC3E}">
         <p14:creationId xmlns:p14="http://schemas.microsoft.com/office/powerpoint/2010/main" val="431300398"/>
-      </p:ext>
-    </p:extLst>
-  </p:cSld>
-  <p:clrMapOvr>
-    <a:masterClrMapping/>
-  </p:clrMapOvr>
-</p:sld>
-</file>
-
-<file path=ppt/slides/slide9.xml><?xml version="1.0" encoding="utf-8"?>
-<p:sld xmlns:a="http://schemas.openxmlformats.org/drawingml/2006/main" xmlns:r="http://schemas.openxmlformats.org/officeDocument/2006/relationships" xmlns:p="http://schemas.openxmlformats.org/presentationml/2006/main">
-  <p:cSld>
-    <p:bg>
-      <p:bgPr>
-        <a:solidFill>
-          <a:srgbClr val="03A9F4"/>
-        </a:solidFill>
-        <a:effectLst/>
-      </p:bgPr>
-    </p:bg>
-    <p:spTree>
-      <p:nvGrpSpPr>
-        <p:cNvPr id="1" name=""/>
-        <p:cNvGrpSpPr/>
-        <p:nvPr/>
-      </p:nvGrpSpPr>
-      <p:grpSpPr>
-        <a:xfrm>
-          <a:off x="0" y="0"/>
-          <a:ext cx="0" cy="0"/>
-          <a:chOff x="0" y="0"/>
-          <a:chExt cx="0" cy="0"/>
-        </a:xfrm>
-      </p:grpSpPr>
-      <p:sp>
-        <p:nvSpPr>
-          <p:cNvPr id="4" name="Shape 390">
-            <a:extLst>
-              <a:ext uri="{FF2B5EF4-FFF2-40B4-BE49-F238E27FC236}">
-                <a16:creationId xmlns:a16="http://schemas.microsoft.com/office/drawing/2014/main" id="{D61230BF-6144-487A-A547-1C44C3403C34}"/>
-              </a:ext>
-            </a:extLst>
-          </p:cNvPr>
-          <p:cNvSpPr txBox="1">
-            <a:spLocks/>
-          </p:cNvSpPr>
-          <p:nvPr/>
-        </p:nvSpPr>
-        <p:spPr>
-          <a:xfrm>
-            <a:off x="685800" y="3900948"/>
-            <a:ext cx="4531500" cy="759542"/>
-          </a:xfrm>
-          <a:prstGeom prst="rect">
-            <a:avLst/>
-          </a:prstGeom>
-          <a:noFill/>
-          <a:ln>
-            <a:noFill/>
-          </a:ln>
-        </p:spPr>
-        <p:txBody>
-          <a:bodyPr wrap="square" lIns="91425" tIns="91425" rIns="91425" bIns="91425" anchor="b" anchorCtr="0">
-            <a:noAutofit/>
-          </a:bodyPr>
-          <a:lstStyle>
-            <a:defPPr marR="0" lvl="0" algn="l" rtl="0">
-              <a:lnSpc>
-                <a:spcPct val="100000"/>
-              </a:lnSpc>
-              <a:spcBef>
-                <a:spcPts val="0"/>
-              </a:spcBef>
-              <a:spcAft>
-                <a:spcPts val="0"/>
-              </a:spcAft>
-            </a:defPPr>
-            <a:lvl1pPr marR="0" lvl="0" algn="l" rtl="0">
-              <a:lnSpc>
-                <a:spcPct val="100000"/>
-              </a:lnSpc>
-              <a:spcBef>
-                <a:spcPts val="0"/>
-              </a:spcBef>
-              <a:spcAft>
-                <a:spcPts val="0"/>
-              </a:spcAft>
-              <a:buClr>
-                <a:srgbClr val="999999"/>
-              </a:buClr>
-              <a:buSzPct val="100000"/>
-              <a:buFont typeface="Montserrat"/>
-              <a:buNone/>
-              <a:defRPr sz="2400" b="1" i="0" u="none" strike="noStrike" cap="none">
-                <a:solidFill>
-                  <a:srgbClr val="999999"/>
-                </a:solidFill>
-                <a:latin typeface="Montserrat"/>
-                <a:ea typeface="Montserrat"/>
-                <a:cs typeface="Montserrat"/>
-                <a:sym typeface="Montserrat"/>
-              </a:defRPr>
-            </a:lvl1pPr>
-            <a:lvl2pPr lvl="1">
-              <a:spcBef>
-                <a:spcPts val="0"/>
-              </a:spcBef>
-              <a:buClr>
-                <a:srgbClr val="999999"/>
-              </a:buClr>
-              <a:buSzPct val="100000"/>
-              <a:buFont typeface="Montserrat"/>
-              <a:buNone/>
-              <a:defRPr sz="2400" b="1">
-                <a:solidFill>
-                  <a:srgbClr val="999999"/>
-                </a:solidFill>
-                <a:latin typeface="Montserrat"/>
-                <a:ea typeface="Montserrat"/>
-                <a:cs typeface="Montserrat"/>
-                <a:sym typeface="Montserrat"/>
-              </a:defRPr>
-            </a:lvl2pPr>
-            <a:lvl3pPr lvl="2">
-              <a:spcBef>
-                <a:spcPts val="0"/>
-              </a:spcBef>
-              <a:buClr>
-                <a:srgbClr val="999999"/>
-              </a:buClr>
-              <a:buSzPct val="100000"/>
-              <a:buFont typeface="Montserrat"/>
-              <a:buNone/>
-              <a:defRPr sz="2400" b="1">
-                <a:solidFill>
-                  <a:srgbClr val="999999"/>
-                </a:solidFill>
-                <a:latin typeface="Montserrat"/>
-                <a:ea typeface="Montserrat"/>
-                <a:cs typeface="Montserrat"/>
-                <a:sym typeface="Montserrat"/>
-              </a:defRPr>
-            </a:lvl3pPr>
-            <a:lvl4pPr lvl="3">
-              <a:spcBef>
-                <a:spcPts val="0"/>
-              </a:spcBef>
-              <a:buClr>
-                <a:srgbClr val="999999"/>
-              </a:buClr>
-              <a:buSzPct val="100000"/>
-              <a:buFont typeface="Montserrat"/>
-              <a:buNone/>
-              <a:defRPr sz="2400" b="1">
-                <a:solidFill>
-                  <a:srgbClr val="999999"/>
-                </a:solidFill>
-                <a:latin typeface="Montserrat"/>
-                <a:ea typeface="Montserrat"/>
-                <a:cs typeface="Montserrat"/>
-                <a:sym typeface="Montserrat"/>
-              </a:defRPr>
-            </a:lvl4pPr>
-            <a:lvl5pPr lvl="4">
-              <a:spcBef>
-                <a:spcPts val="0"/>
-              </a:spcBef>
-              <a:buClr>
-                <a:srgbClr val="999999"/>
-              </a:buClr>
-              <a:buSzPct val="100000"/>
-              <a:buFont typeface="Montserrat"/>
-              <a:buNone/>
-              <a:defRPr sz="2400" b="1">
-                <a:solidFill>
-                  <a:srgbClr val="999999"/>
-                </a:solidFill>
-                <a:latin typeface="Montserrat"/>
-                <a:ea typeface="Montserrat"/>
-                <a:cs typeface="Montserrat"/>
-                <a:sym typeface="Montserrat"/>
-              </a:defRPr>
-            </a:lvl5pPr>
-            <a:lvl6pPr lvl="5">
-              <a:spcBef>
-                <a:spcPts val="0"/>
-              </a:spcBef>
-              <a:buClr>
-                <a:srgbClr val="999999"/>
-              </a:buClr>
-              <a:buSzPct val="100000"/>
-              <a:buFont typeface="Montserrat"/>
-              <a:buNone/>
-              <a:defRPr sz="2400" b="1">
-                <a:solidFill>
-                  <a:srgbClr val="999999"/>
-                </a:solidFill>
-                <a:latin typeface="Montserrat"/>
-                <a:ea typeface="Montserrat"/>
-                <a:cs typeface="Montserrat"/>
-                <a:sym typeface="Montserrat"/>
-              </a:defRPr>
-            </a:lvl6pPr>
-            <a:lvl7pPr lvl="6">
-              <a:spcBef>
-                <a:spcPts val="0"/>
-              </a:spcBef>
-              <a:buClr>
-                <a:srgbClr val="999999"/>
-              </a:buClr>
-              <a:buSzPct val="100000"/>
-              <a:buFont typeface="Montserrat"/>
-              <a:buNone/>
-              <a:defRPr sz="2400" b="1">
-                <a:solidFill>
-                  <a:srgbClr val="999999"/>
-                </a:solidFill>
-                <a:latin typeface="Montserrat"/>
-                <a:ea typeface="Montserrat"/>
-                <a:cs typeface="Montserrat"/>
-                <a:sym typeface="Montserrat"/>
-              </a:defRPr>
-            </a:lvl7pPr>
-            <a:lvl8pPr lvl="7">
-              <a:spcBef>
-                <a:spcPts val="0"/>
-              </a:spcBef>
-              <a:buClr>
-                <a:srgbClr val="999999"/>
-              </a:buClr>
-              <a:buSzPct val="100000"/>
-              <a:buFont typeface="Montserrat"/>
-              <a:buNone/>
-              <a:defRPr sz="2400" b="1">
-                <a:solidFill>
-                  <a:srgbClr val="999999"/>
-                </a:solidFill>
-                <a:latin typeface="Montserrat"/>
-                <a:ea typeface="Montserrat"/>
-                <a:cs typeface="Montserrat"/>
-                <a:sym typeface="Montserrat"/>
-              </a:defRPr>
-            </a:lvl8pPr>
-            <a:lvl9pPr lvl="8">
-              <a:spcBef>
-                <a:spcPts val="0"/>
-              </a:spcBef>
-              <a:buClr>
-                <a:srgbClr val="999999"/>
-              </a:buClr>
-              <a:buSzPct val="100000"/>
-              <a:buFont typeface="Montserrat"/>
-              <a:buNone/>
-              <a:defRPr sz="2400" b="1">
-                <a:solidFill>
-                  <a:srgbClr val="999999"/>
-                </a:solidFill>
-                <a:latin typeface="Montserrat"/>
-                <a:ea typeface="Montserrat"/>
-                <a:cs typeface="Montserrat"/>
-                <a:sym typeface="Montserrat"/>
-              </a:defRPr>
-            </a:lvl9pPr>
-          </a:lstStyle>
-          <a:p>
-            <a:r>
-              <a:rPr lang="en" sz="3600" dirty="0">
-                <a:solidFill>
-                  <a:srgbClr val="03A9F4"/>
-                </a:solidFill>
-              </a:rPr>
-              <a:t>THANKS!</a:t>
-            </a:r>
-          </a:p>
-        </p:txBody>
-      </p:sp>
-    </p:spTree>
-    <p:extLst>
-      <p:ext uri="{BB962C8B-B14F-4D97-AF65-F5344CB8AC3E}">
-        <p14:creationId xmlns:p14="http://schemas.microsoft.com/office/powerpoint/2010/main" val="3804242514"/>
       </p:ext>
     </p:extLst>
   </p:cSld>
